--- a/教学课件/7.第七课  结构体和枚举.pptx
+++ b/教学课件/7.第七课  结构体和枚举.pptx
@@ -4181,7 +4181,7 @@
         </p:spPr>
         <p:txBody>
           <a:bodyPr>
-            <a:normAutofit fontScale="60000"/>
+            <a:normAutofit fontScale="50000"/>
           </a:bodyPr>
           <a:p>
             <a:pPr marL="0" indent="0" fontAlgn="auto">
@@ -4203,6 +4203,41 @@
                 </a:solidFill>
                 <a:sym typeface="+mn-ea"/>
               </a:rPr>
+              <a:t>角色的结构体</a:t>
+            </a:r>
+            <a:r>
+              <a:rPr lang="en-US" altLang="zh-CN">
+                <a:solidFill>
+                  <a:srgbClr val="FF0000"/>
+                </a:solidFill>
+                <a:sym typeface="+mn-ea"/>
+              </a:rPr>
+              <a:t>A</a:t>
+            </a:r>
+            <a:endParaRPr lang="zh-CN" altLang="en-US">
+              <a:sym typeface="+mn-ea"/>
+            </a:endParaRPr>
+          </a:p>
+          <a:p>
+            <a:pPr marL="0" indent="0" fontAlgn="auto">
+              <a:lnSpc>
+                <a:spcPct val="150000"/>
+              </a:lnSpc>
+              <a:buNone/>
+            </a:pPr>
+            <a:r>
+              <a:rPr lang="zh-CN" altLang="en-US">
+                <a:sym typeface="+mn-ea"/>
+              </a:rPr>
+              <a:t>设计一个</a:t>
+            </a:r>
+            <a:r>
+              <a:rPr lang="zh-CN" altLang="en-US">
+                <a:solidFill>
+                  <a:srgbClr val="FF0000"/>
+                </a:solidFill>
+                <a:sym typeface="+mn-ea"/>
+              </a:rPr>
               <a:t>角色类型</a:t>
             </a:r>
             <a:r>
@@ -4259,34 +4294,6 @@
               </a:lnSpc>
               <a:buNone/>
             </a:pPr>
-            <a:r>
-              <a:rPr lang="zh-CN" altLang="en-US"/>
-              <a:t>设计一个</a:t>
-            </a:r>
-            <a:r>
-              <a:rPr lang="zh-CN" altLang="en-US">
-                <a:solidFill>
-                  <a:srgbClr val="FF0000"/>
-                </a:solidFill>
-              </a:rPr>
-              <a:t>角色的结构体</a:t>
-            </a:r>
-            <a:r>
-              <a:rPr lang="en-US" altLang="zh-CN">
-                <a:solidFill>
-                  <a:srgbClr val="FF0000"/>
-                </a:solidFill>
-              </a:rPr>
-              <a:t>A</a:t>
-            </a:r>
-            <a:r>
-              <a:rPr lang="zh-CN" altLang="en-US"/>
-              <a:t>，</a:t>
-            </a:r>
-            <a:r>
-              <a:rPr lang="en-US" altLang="zh-CN"/>
-              <a:t>, </a:t>
-            </a:r>
             <a:r>
               <a:rPr lang="zh-CN" altLang="en-US"/>
               <a:t>要求</a:t>

--- a/教学课件/7.第七课  结构体和枚举.pptx
+++ b/教学课件/7.第七课  结构体和枚举.pptx
@@ -4475,7 +4475,13 @@
               <a:rPr lang="zh-CN" altLang="en-US">
                 <a:sym typeface="+mn-ea"/>
               </a:rPr>
-              <a:t>， 练习中的装备结构体</a:t>
+              <a:t>， </a:t>
+            </a:r>
+            <a:r>
+              <a:rPr lang="zh-CN" altLang="en-US" b="1">
+                <a:sym typeface="+mn-ea"/>
+              </a:rPr>
+              <a:t>练习中的装备结构体</a:t>
             </a:r>
             <a:r>
               <a:rPr lang="en-US" altLang="zh-CN">

--- a/教学课件/7.第七课  结构体和枚举.pptx
+++ b/教学课件/7.第七课  结构体和枚举.pptx
@@ -4203,7 +4203,16 @@
                 </a:solidFill>
                 <a:sym typeface="+mn-ea"/>
               </a:rPr>
-              <a:t>角色的结构体</a:t>
+              <a:t>角色的数据</a:t>
+            </a:r>
+            <a:r>
+              <a:rPr lang="zh-CN" altLang="en-US">
+                <a:solidFill>
+                  <a:srgbClr val="FF0000"/>
+                </a:solidFill>
+                <a:sym typeface="+mn-ea"/>
+              </a:rPr>
+              <a:t>结构体</a:t>
             </a:r>
             <a:r>
               <a:rPr lang="en-US" altLang="zh-CN">
@@ -4463,7 +4472,7 @@
               <a:rPr lang="zh-CN" altLang="en-US">
                 <a:sym typeface="+mn-ea"/>
               </a:rPr>
-              <a:t>包含角色的结构体</a:t>
+              <a:t>包含结构体</a:t>
             </a:r>
             <a:r>
               <a:rPr lang="en-US" altLang="zh-CN">
@@ -4966,7 +4975,7 @@
         </p:spPr>
         <p:txBody>
           <a:bodyPr>
-            <a:normAutofit fontScale="70000"/>
+            <a:normAutofit fontScale="80000"/>
           </a:bodyPr>
           <a:p>
             <a:pPr marL="0" indent="0">
@@ -4976,16 +4985,8 @@
               <a:rPr lang="zh-CN" altLang="en-US" sz="4000" b="1">
                 <a:sym typeface="+mn-ea"/>
               </a:rPr>
-              <a:t>结构体的语法</a:t>
-            </a:r>
-            <a:endParaRPr lang="zh-CN" altLang="en-US" sz="4000" b="1">
-              <a:sym typeface="+mn-ea"/>
-            </a:endParaRPr>
-          </a:p>
-          <a:p>
-            <a:pPr marL="0" indent="0">
-              <a:buNone/>
-            </a:pPr>
+              <a:t>结构体的使用</a:t>
+            </a:r>
             <a:endParaRPr lang="zh-CN" altLang="en-US" b="1"/>
           </a:p>
           <a:p>
@@ -5537,7 +5538,7 @@
                   <a:srgbClr val="FF0000"/>
                 </a:solidFill>
               </a:rPr>
-              <a:t>必须有参数</a:t>
+              <a:t>必须有参数，参数随意</a:t>
             </a:r>
             <a:r>
               <a:rPr lang="en-US" altLang="zh-CN" sz="1800"/>
@@ -5564,12 +5565,12 @@
               <a:t>且</a:t>
             </a:r>
             <a:r>
-              <a:rPr lang="zh-CN" altLang="en-US" sz="1800">
+              <a:rPr lang="zh-CN" altLang="en-US" sz="1800" b="1">
                 <a:sym typeface="+mn-ea"/>
               </a:rPr>
               <a:t>结构体不能被继承</a:t>
             </a:r>
-            <a:endParaRPr lang="zh-CN" altLang="en-US" sz="1800"/>
+            <a:endParaRPr lang="zh-CN" altLang="en-US" sz="1800" b="1"/>
           </a:p>
           <a:p>
             <a:pPr fontAlgn="auto">

--- a/教学课件/7.第七课  结构体和枚举.pptx
+++ b/教学课件/7.第七课  结构体和枚举.pptx
@@ -4052,11 +4052,15 @@
             </a:r>
             <a:r>
               <a:rPr lang="zh-CN" altLang="en-US"/>
-              <a:t>创建一个</a:t>
+              <a:t>创建该</a:t>
             </a:r>
             <a:r>
               <a:rPr lang="zh-CN" altLang="en-US" b="1"/>
-              <a:t>结构体数组</a:t>
+              <a:t>结构体类型的</a:t>
+            </a:r>
+            <a:r>
+              <a:rPr lang="zh-CN" altLang="en-US" b="1"/>
+              <a:t>数组</a:t>
             </a:r>
             <a:r>
               <a:rPr lang="en-US" altLang="zh-CN"/>
@@ -5171,7 +5175,19 @@
               <a:rPr lang="en-US" altLang="zh-CN">
                 <a:sym typeface="+mn-ea"/>
               </a:rPr>
-              <a:t>MyStruct msA = new MyStruct();</a:t>
+              <a:t>MyStruct msA = </a:t>
+            </a:r>
+            <a:r>
+              <a:rPr lang="en-US" altLang="zh-CN" b="1">
+                <a:sym typeface="+mn-ea"/>
+              </a:rPr>
+              <a:t>new </a:t>
+            </a:r>
+            <a:r>
+              <a:rPr lang="en-US" altLang="zh-CN">
+                <a:sym typeface="+mn-ea"/>
+              </a:rPr>
+              <a:t>MyStruct();</a:t>
             </a:r>
             <a:endParaRPr lang="en-US" altLang="zh-CN">
               <a:solidFill>
@@ -5850,7 +5866,7 @@
         </p:blipFill>
         <p:spPr>
           <a:xfrm>
-            <a:off x="3235960" y="159385"/>
+            <a:off x="3235960" y="288925"/>
             <a:ext cx="5719445" cy="6017895"/>
           </a:xfrm>
           <a:prstGeom prst="rect">
@@ -6053,6 +6069,70 @@
           <a:p>
             <a:pPr indent="0" fontAlgn="auto">
               <a:lnSpc>
+                <a:spcPct val="150000"/>
+              </a:lnSpc>
+            </a:pPr>
+            <a:r>
+              <a:rPr lang="zh-CN" altLang="en-US" sz="2400">
+                <a:solidFill>
+                  <a:schemeClr val="tx1"/>
+                </a:solidFill>
+              </a:rPr>
+              <a:t>结构体对声明字段的时候不能赋予其初始值</a:t>
+            </a:r>
+            <a:r>
+              <a:rPr lang="en-US" altLang="zh-CN" sz="2400">
+                <a:solidFill>
+                  <a:schemeClr val="tx1"/>
+                </a:solidFill>
+              </a:rPr>
+              <a:t>.</a:t>
+            </a:r>
+            <a:endParaRPr lang="en-US" altLang="zh-CN" sz="2400">
+              <a:solidFill>
+                <a:schemeClr val="tx1"/>
+              </a:solidFill>
+            </a:endParaRPr>
+          </a:p>
+          <a:p>
+            <a:pPr indent="0" fontAlgn="auto">
+              <a:lnSpc>
+                <a:spcPct val="150000"/>
+              </a:lnSpc>
+            </a:pPr>
+            <a:r>
+              <a:rPr lang="zh-CN" altLang="en-US" sz="2400">
+                <a:solidFill>
+                  <a:schemeClr val="tx1"/>
+                </a:solidFill>
+              </a:rPr>
+              <a:t>结构体的使用更倾向于数据的处理</a:t>
+            </a:r>
+            <a:r>
+              <a:rPr lang="en-US" altLang="zh-CN" sz="2400">
+                <a:solidFill>
+                  <a:schemeClr val="tx1"/>
+                </a:solidFill>
+              </a:rPr>
+              <a:t>,</a:t>
+            </a:r>
+            <a:r>
+              <a:rPr lang="zh-CN" altLang="en-US" sz="2400">
+                <a:solidFill>
+                  <a:schemeClr val="tx1"/>
+                </a:solidFill>
+              </a:rPr>
+              <a:t>而类偏向于对象</a:t>
+            </a:r>
+            <a:endParaRPr lang="zh-CN" altLang="en-US" sz="2400">
+              <a:solidFill>
+                <a:schemeClr val="tx1"/>
+              </a:solidFill>
+            </a:endParaRPr>
+          </a:p>
+          <a:p>
+            <a:pPr indent="0" fontAlgn="auto">
+              <a:lnSpc>
                 <a:spcPct val="120000"/>
               </a:lnSpc>
               <a:buNone/>
@@ -6438,7 +6518,7 @@
         </p:nvSpPr>
         <p:spPr>
           <a:xfrm>
-            <a:off x="838200" y="1782445"/>
+            <a:off x="838200" y="1770380"/>
             <a:ext cx="10515600" cy="4351338"/>
           </a:xfrm>
         </p:spPr>
